--- a/Hypothesis_Testing_Assignment.pptx
+++ b/Hypothesis_Testing_Assignment.pptx
@@ -310,7 +310,7 @@
           <a:p>
             <a:fld id="{A4DC450F-A4CA-D740-B776-A40C57C2E1FF}" type="datetimeFigureOut">
               <a:rPr lang="en-US" smtClean="0"/>
-              <a:t>6/11/2020</a:t>
+              <a:t>6/17/2020</a:t>
             </a:fld>
             <a:endParaRPr lang="en-US"/>
           </a:p>
@@ -480,7 +480,7 @@
           <a:p>
             <a:fld id="{A4DC450F-A4CA-D740-B776-A40C57C2E1FF}" type="datetimeFigureOut">
               <a:rPr lang="en-US" smtClean="0"/>
-              <a:t>6/11/2020</a:t>
+              <a:t>6/17/2020</a:t>
             </a:fld>
             <a:endParaRPr lang="en-US"/>
           </a:p>
@@ -660,7 +660,7 @@
           <a:p>
             <a:fld id="{A4DC450F-A4CA-D740-B776-A40C57C2E1FF}" type="datetimeFigureOut">
               <a:rPr lang="en-US" smtClean="0"/>
-              <a:t>6/11/2020</a:t>
+              <a:t>6/17/2020</a:t>
             </a:fld>
             <a:endParaRPr lang="en-US"/>
           </a:p>
@@ -830,7 +830,7 @@
           <a:p>
             <a:fld id="{A4DC450F-A4CA-D740-B776-A40C57C2E1FF}" type="datetimeFigureOut">
               <a:rPr lang="en-US" smtClean="0"/>
-              <a:t>6/11/2020</a:t>
+              <a:t>6/17/2020</a:t>
             </a:fld>
             <a:endParaRPr lang="en-US"/>
           </a:p>
@@ -1076,7 +1076,7 @@
           <a:p>
             <a:fld id="{A4DC450F-A4CA-D740-B776-A40C57C2E1FF}" type="datetimeFigureOut">
               <a:rPr lang="en-US" smtClean="0"/>
-              <a:t>6/11/2020</a:t>
+              <a:t>6/17/2020</a:t>
             </a:fld>
             <a:endParaRPr lang="en-US"/>
           </a:p>
@@ -1364,7 +1364,7 @@
           <a:p>
             <a:fld id="{A4DC450F-A4CA-D740-B776-A40C57C2E1FF}" type="datetimeFigureOut">
               <a:rPr lang="en-US" smtClean="0"/>
-              <a:t>6/11/2020</a:t>
+              <a:t>6/17/2020</a:t>
             </a:fld>
             <a:endParaRPr lang="en-US"/>
           </a:p>
@@ -1786,7 +1786,7 @@
           <a:p>
             <a:fld id="{A4DC450F-A4CA-D740-B776-A40C57C2E1FF}" type="datetimeFigureOut">
               <a:rPr lang="en-US" smtClean="0"/>
-              <a:t>6/11/2020</a:t>
+              <a:t>6/17/2020</a:t>
             </a:fld>
             <a:endParaRPr lang="en-US"/>
           </a:p>
@@ -1904,7 +1904,7 @@
           <a:p>
             <a:fld id="{A4DC450F-A4CA-D740-B776-A40C57C2E1FF}" type="datetimeFigureOut">
               <a:rPr lang="en-US" smtClean="0"/>
-              <a:t>6/11/2020</a:t>
+              <a:t>6/17/2020</a:t>
             </a:fld>
             <a:endParaRPr lang="en-US"/>
           </a:p>
@@ -1999,7 +1999,7 @@
           <a:p>
             <a:fld id="{A4DC450F-A4CA-D740-B776-A40C57C2E1FF}" type="datetimeFigureOut">
               <a:rPr lang="en-US" smtClean="0"/>
-              <a:t>6/11/2020</a:t>
+              <a:t>6/17/2020</a:t>
             </a:fld>
             <a:endParaRPr lang="en-US"/>
           </a:p>
@@ -2276,7 +2276,7 @@
           <a:p>
             <a:fld id="{A4DC450F-A4CA-D740-B776-A40C57C2E1FF}" type="datetimeFigureOut">
               <a:rPr lang="en-US" smtClean="0"/>
-              <a:t>6/11/2020</a:t>
+              <a:t>6/17/2020</a:t>
             </a:fld>
             <a:endParaRPr lang="en-US"/>
           </a:p>
@@ -2529,7 +2529,7 @@
           <a:p>
             <a:fld id="{A4DC450F-A4CA-D740-B776-A40C57C2E1FF}" type="datetimeFigureOut">
               <a:rPr lang="en-US" smtClean="0"/>
-              <a:t>6/11/2020</a:t>
+              <a:t>6/17/2020</a:t>
             </a:fld>
             <a:endParaRPr lang="en-US"/>
           </a:p>
@@ -2742,7 +2742,7 @@
           <a:p>
             <a:fld id="{A4DC450F-A4CA-D740-B776-A40C57C2E1FF}" type="datetimeFigureOut">
               <a:rPr lang="en-US" smtClean="0"/>
-              <a:t>6/11/2020</a:t>
+              <a:t>6/17/2020</a:t>
             </a:fld>
             <a:endParaRPr lang="en-US"/>
           </a:p>
@@ -3201,13 +3201,8 @@
             </a:pPr>
             <a:r>
               <a:rPr lang="en-US" sz="1400" dirty="0" smtClean="0"/>
-              <a:t>Step 1: Normality Test</a:t>
-            </a:r>
-            <a:r>
-              <a:rPr lang="en-US" sz="1400" dirty="0" smtClean="0"/>
-              <a:t>                                                            </a:t>
-            </a:r>
-            <a:endParaRPr lang="en-US" sz="1400" dirty="0" smtClean="0"/>
+              <a:t>Step 1: Normality Test                                                            </a:t>
+            </a:r>
           </a:p>
           <a:p>
             <a:pPr>
@@ -3302,7 +3297,6 @@
               <a:rPr lang="en-US" sz="1800" dirty="0" smtClean="0"/>
               <a:t>are same go for Paired T test</a:t>
             </a:r>
-            <a:endParaRPr lang="en-US" sz="1800" dirty="0" smtClean="0"/>
           </a:p>
           <a:p>
             <a:pPr>
@@ -3497,11 +3491,7 @@
             </a:pPr>
             <a:r>
               <a:rPr lang="en-US" sz="1800" dirty="0" smtClean="0"/>
-              <a:t> </a:t>
-            </a:r>
-            <a:r>
-              <a:rPr lang="en-US" sz="1800" dirty="0" smtClean="0"/>
-              <a:t>Data is Continuous </a:t>
+              <a:t> Data is Continuous </a:t>
             </a:r>
           </a:p>
           <a:p>
@@ -4882,7 +4872,6 @@
               <a:rPr lang="en-US" dirty="0" smtClean="0"/>
               <a:t>HO : Defective % varies</a:t>
             </a:r>
-            <a:endParaRPr lang="en-US" dirty="0" smtClean="0"/>
           </a:p>
           <a:p>
             <a:pPr>
@@ -4892,7 +4881,6 @@
               <a:rPr lang="en-US" dirty="0" smtClean="0"/>
               <a:t>H1 : Defective % do not varies </a:t>
             </a:r>
-            <a:endParaRPr lang="en-US" dirty="0" smtClean="0"/>
           </a:p>
           <a:p>
             <a:pPr>
@@ -5094,16 +5082,12 @@
               <a:buNone/>
             </a:pPr>
             <a:r>
-              <a:rPr lang="en-US" sz="4000" dirty="0"/>
-              <a:t> </a:t>
-            </a:r>
-            <a:r>
-              <a:rPr lang="en-US" sz="4000" dirty="0" smtClean="0"/>
-              <a:t> </a:t>
-            </a:r>
-            <a:r>
               <a:rPr lang="en-US" sz="1600" dirty="0" smtClean="0"/>
-              <a:t>H0: </a:t>
+              <a:t>H0</a:t>
+            </a:r>
+            <a:r>
+              <a:rPr lang="en-US" sz="1600" dirty="0" smtClean="0"/>
+              <a:t>: </a:t>
             </a:r>
             <a:r>
               <a:rPr lang="en-US" sz="1600" i="1" dirty="0"/>
@@ -5120,7 +5104,15 @@
             </a:pPr>
             <a:r>
               <a:rPr lang="en-US" sz="1600" dirty="0" smtClean="0"/>
-              <a:t>    H1:  </a:t>
+              <a:t> </a:t>
+            </a:r>
+            <a:r>
+              <a:rPr lang="en-US" sz="1600" dirty="0" smtClean="0"/>
+              <a:t>H1</a:t>
+            </a:r>
+            <a:r>
+              <a:rPr lang="en-US" sz="1600" dirty="0" smtClean="0"/>
+              <a:t>:  </a:t>
             </a:r>
             <a:r>
               <a:rPr lang="en-US" sz="1600" i="1" dirty="0"/>
@@ -5147,9 +5139,39 @@
           </a:p>
         </p:txBody>
       </p:sp>
+      <p:sp>
+        <p:nvSpPr>
+          <p:cNvPr id="5" name="TextBox 4"/>
+          <p:cNvSpPr txBox="1"/>
+          <p:nvPr/>
+        </p:nvSpPr>
+        <p:spPr>
+          <a:xfrm>
+            <a:off x="5525037" y="4342438"/>
+            <a:ext cx="3284111" cy="646331"/>
+          </a:xfrm>
+          <a:prstGeom prst="rect">
+            <a:avLst/>
+          </a:prstGeom>
+          <a:noFill/>
+        </p:spPr>
+        <p:txBody>
+          <a:bodyPr wrap="square" rtlCol="0">
+            <a:spAutoFit/>
+          </a:bodyPr>
+          <a:lstStyle/>
+          <a:p>
+            <a:r>
+              <a:rPr lang="en-US" dirty="0" smtClean="0"/>
+              <a:t>Since p value&gt; 0.05 so H0 is accepted</a:t>
+            </a:r>
+            <a:endParaRPr lang="en-US" dirty="0"/>
+          </a:p>
+        </p:txBody>
+      </p:sp>
       <p:pic>
         <p:nvPicPr>
-          <p:cNvPr id="4" name="Picture 3"/>
+          <p:cNvPr id="6" name="Picture 5"/>
           <p:cNvPicPr>
             <a:picLocks noChangeAspect="1"/>
           </p:cNvPicPr>
@@ -5163,44 +5185,38 @@
         </p:blipFill>
         <p:spPr>
           <a:xfrm>
-            <a:off x="457199" y="4067407"/>
-            <a:ext cx="4781550" cy="2498501"/>
+            <a:off x="174669" y="3617745"/>
+            <a:ext cx="3676114" cy="1266825"/>
           </a:xfrm>
           <a:prstGeom prst="rect">
             <a:avLst/>
           </a:prstGeom>
         </p:spPr>
       </p:pic>
-      <p:sp>
-        <p:nvSpPr>
-          <p:cNvPr id="5" name="TextBox 4"/>
-          <p:cNvSpPr txBox="1"/>
+      <p:pic>
+        <p:nvPicPr>
+          <p:cNvPr id="7" name="Picture 6"/>
+          <p:cNvPicPr>
+            <a:picLocks noChangeAspect="1"/>
+          </p:cNvPicPr>
           <p:nvPr/>
-        </p:nvSpPr>
+        </p:nvPicPr>
+        <p:blipFill>
+          <a:blip r:embed="rId3"/>
+          <a:stretch>
+            <a:fillRect/>
+          </a:stretch>
+        </p:blipFill>
         <p:spPr>
           <a:xfrm>
-            <a:off x="5525037" y="4342438"/>
-            <a:ext cx="3284111" cy="646331"/>
+            <a:off x="174669" y="4988769"/>
+            <a:ext cx="7792993" cy="1820862"/>
           </a:xfrm>
           <a:prstGeom prst="rect">
             <a:avLst/>
           </a:prstGeom>
-          <a:noFill/>
         </p:spPr>
-        <p:txBody>
-          <a:bodyPr wrap="square" rtlCol="0">
-            <a:spAutoFit/>
-          </a:bodyPr>
-          <a:lstStyle/>
-          <a:p>
-            <a:r>
-              <a:rPr lang="en-US" dirty="0" smtClean="0"/>
-              <a:t>Since p value&gt; 0.05 so H0 is accepted</a:t>
-            </a:r>
-            <a:endParaRPr lang="en-US" dirty="0"/>
-          </a:p>
-        </p:txBody>
-      </p:sp>
+      </p:pic>
     </p:spTree>
     <p:extLst>
       <p:ext uri="{BB962C8B-B14F-4D97-AF65-F5344CB8AC3E}">
